--- a/ReinforcementLearning/Ch02.pptx
+++ b/ReinforcementLearning/Ch02.pptx
@@ -117,6 +117,11 @@
       </a:defRPr>
     </a:lvl9pPr>
   </p:defaultTextStyle>
+  <p:extLst>
+    <p:ext uri="{EFAFB233-063F-42B5-8137-9DF3F51BA10A}">
+      <p15:sldGuideLst xmlns:p15="http://schemas.microsoft.com/office/powerpoint/2012/main"/>
+    </p:ext>
+  </p:extLst>
 </p:presentation>
 </file>
 
@@ -202,7 +207,7 @@
           <a:p>
             <a:fld id="{18302FDC-1CCC-4787-BD2A-441D3AB84DB4}" type="datetimeFigureOut">
               <a:rPr lang="ko-KR" altLang="en-US" smtClean="0"/>
-              <a:t>2021-09-28</a:t>
+              <a:t>2021-10-06</a:t>
             </a:fld>
             <a:endParaRPr lang="ko-KR" altLang="en-US"/>
           </a:p>
@@ -616,7 +621,7 @@
           <a:p>
             <a:fld id="{93168C98-2974-48C4-85C2-FB7C31AC7898}" type="datetime1">
               <a:rPr lang="ko-KR" altLang="en-US" smtClean="0"/>
-              <a:t>2021-09-28</a:t>
+              <a:t>2021-10-06</a:t>
             </a:fld>
             <a:endParaRPr lang="ko-KR" altLang="en-US"/>
           </a:p>
@@ -814,7 +819,7 @@
           <a:p>
             <a:fld id="{ED659D5E-680A-41B2-B626-74DB37565A24}" type="datetime1">
               <a:rPr lang="ko-KR" altLang="en-US" smtClean="0"/>
-              <a:t>2021-09-28</a:t>
+              <a:t>2021-10-06</a:t>
             </a:fld>
             <a:endParaRPr lang="ko-KR" altLang="en-US"/>
           </a:p>
@@ -1022,7 +1027,7 @@
           <a:p>
             <a:fld id="{BEB98A1A-C7A7-485D-A982-ECC253D2C965}" type="datetime1">
               <a:rPr lang="ko-KR" altLang="en-US" smtClean="0"/>
-              <a:t>2021-09-28</a:t>
+              <a:t>2021-10-06</a:t>
             </a:fld>
             <a:endParaRPr lang="ko-KR" altLang="en-US"/>
           </a:p>
@@ -1220,7 +1225,7 @@
           <a:p>
             <a:fld id="{4E37481D-369D-4D37-8FD4-5DC98340B613}" type="datetime1">
               <a:rPr lang="ko-KR" altLang="en-US" smtClean="0"/>
-              <a:t>2021-09-28</a:t>
+              <a:t>2021-10-06</a:t>
             </a:fld>
             <a:endParaRPr lang="ko-KR" altLang="en-US"/>
           </a:p>
@@ -1495,7 +1500,7 @@
           <a:p>
             <a:fld id="{F026C261-94A6-4E5B-A534-C258B84D0074}" type="datetime1">
               <a:rPr lang="ko-KR" altLang="en-US" smtClean="0"/>
-              <a:t>2021-09-28</a:t>
+              <a:t>2021-10-06</a:t>
             </a:fld>
             <a:endParaRPr lang="ko-KR" altLang="en-US"/>
           </a:p>
@@ -1760,7 +1765,7 @@
           <a:p>
             <a:fld id="{4C76B1DF-1112-46A8-BD85-D454AAEE1983}" type="datetime1">
               <a:rPr lang="ko-KR" altLang="en-US" smtClean="0"/>
-              <a:t>2021-09-28</a:t>
+              <a:t>2021-10-06</a:t>
             </a:fld>
             <a:endParaRPr lang="ko-KR" altLang="en-US"/>
           </a:p>
@@ -2172,7 +2177,7 @@
           <a:p>
             <a:fld id="{72DFAE07-44B1-44EF-97C8-CA5BB12A13F1}" type="datetime1">
               <a:rPr lang="ko-KR" altLang="en-US" smtClean="0"/>
-              <a:t>2021-09-28</a:t>
+              <a:t>2021-10-06</a:t>
             </a:fld>
             <a:endParaRPr lang="ko-KR" altLang="en-US"/>
           </a:p>
@@ -2313,7 +2318,7 @@
           <a:p>
             <a:fld id="{4C5B856C-DD07-47DA-97CE-861B385BE2A6}" type="datetime1">
               <a:rPr lang="ko-KR" altLang="en-US" smtClean="0"/>
-              <a:t>2021-09-28</a:t>
+              <a:t>2021-10-06</a:t>
             </a:fld>
             <a:endParaRPr lang="ko-KR" altLang="en-US"/>
           </a:p>
@@ -2426,7 +2431,7 @@
           <a:p>
             <a:fld id="{89639BEC-42B7-4947-AB21-0A8FF1CBC45D}" type="datetime1">
               <a:rPr lang="ko-KR" altLang="en-US" smtClean="0"/>
-              <a:t>2021-09-28</a:t>
+              <a:t>2021-10-06</a:t>
             </a:fld>
             <a:endParaRPr lang="ko-KR" altLang="en-US"/>
           </a:p>
@@ -2737,7 +2742,7 @@
           <a:p>
             <a:fld id="{79457933-7E3E-445E-87B5-7D6C6DA14A56}" type="datetime1">
               <a:rPr lang="ko-KR" altLang="en-US" smtClean="0"/>
-              <a:t>2021-09-28</a:t>
+              <a:t>2021-10-06</a:t>
             </a:fld>
             <a:endParaRPr lang="ko-KR" altLang="en-US"/>
           </a:p>
@@ -3025,7 +3030,7 @@
           <a:p>
             <a:fld id="{E3A9CD6D-F240-4017-B866-7815368BA5B0}" type="datetime1">
               <a:rPr lang="ko-KR" altLang="en-US" smtClean="0"/>
-              <a:t>2021-09-28</a:t>
+              <a:t>2021-10-06</a:t>
             </a:fld>
             <a:endParaRPr lang="ko-KR" altLang="en-US"/>
           </a:p>
@@ -3266,7 +3271,7 @@
           <a:p>
             <a:fld id="{00D69732-C060-476D-B66F-3433455A3BA1}" type="datetime1">
               <a:rPr lang="ko-KR" altLang="en-US" smtClean="0"/>
-              <a:t>2021-09-28</a:t>
+              <a:t>2021-10-06</a:t>
             </a:fld>
             <a:endParaRPr lang="ko-KR" altLang="en-US"/>
           </a:p>
@@ -3841,8 +3846,8 @@
           </a:p>
         </p:txBody>
       </p:sp>
-      <mc:AlternateContent xmlns:mc="http://schemas.openxmlformats.org/markup-compatibility/2006">
-        <mc:Choice xmlns:a14="http://schemas.microsoft.com/office/drawing/2010/main" Requires="a14">
+      <mc:AlternateContent xmlns:mc="http://schemas.openxmlformats.org/markup-compatibility/2006" xmlns:a14="http://schemas.microsoft.com/office/drawing/2010/main">
+        <mc:Choice Requires="a14">
           <p:sp>
             <p:nvSpPr>
               <p:cNvPr id="5" name="TextBox 4">
@@ -4187,7 +4192,7 @@
             </p:txBody>
           </p:sp>
         </mc:Choice>
-        <mc:Fallback>
+        <mc:Fallback xmlns="">
           <p:sp>
             <p:nvSpPr>
               <p:cNvPr id="5" name="TextBox 4">
@@ -4320,8 +4325,8 @@
           </a:p>
         </p:txBody>
       </p:sp>
-      <mc:AlternateContent xmlns:mc="http://schemas.openxmlformats.org/markup-compatibility/2006">
-        <mc:Choice xmlns:a14="http://schemas.microsoft.com/office/drawing/2010/main" Requires="a14">
+      <mc:AlternateContent xmlns:mc="http://schemas.openxmlformats.org/markup-compatibility/2006" xmlns:a14="http://schemas.microsoft.com/office/drawing/2010/main">
+        <mc:Choice Requires="a14">
           <p:sp>
             <p:nvSpPr>
               <p:cNvPr id="5" name="TextBox 4">
@@ -4801,13 +4806,7 @@
                             <a:rPr lang="en-US" altLang="ko-KR" sz="2400" b="0" i="1" smtClean="0">
                               <a:latin typeface="Cambria Math" panose="02040503050406030204" pitchFamily="18" charset="0"/>
                             </a:rPr>
-                            <m:t>1</m:t>
-                          </m:r>
-                          <m:r>
-                            <a:rPr lang="en-US" altLang="ko-KR" sz="2400" b="0" i="1" smtClean="0">
-                              <a:latin typeface="Cambria Math" panose="02040503050406030204" pitchFamily="18" charset="0"/>
-                            </a:rPr>
-                            <m:t>−</m:t>
+                            <m:t>1−</m:t>
                           </m:r>
                           <m:r>
                             <a:rPr lang="en-US" altLang="ko-KR" sz="2400" b="0" i="1" smtClean="0">
@@ -5147,13 +5146,7 @@
                         <a:rPr lang="en-US" altLang="ko-KR" sz="2400" b="0" i="1" smtClean="0">
                           <a:latin typeface="Cambria Math" panose="02040503050406030204" pitchFamily="18" charset="0"/>
                         </a:rPr>
-                        <m:t>+</m:t>
-                      </m:r>
-                      <m:r>
-                        <a:rPr lang="en-US" altLang="ko-KR" sz="2400" b="0" i="1" smtClean="0">
-                          <a:latin typeface="Cambria Math" panose="02040503050406030204" pitchFamily="18" charset="0"/>
-                        </a:rPr>
-                        <m:t>⋯+</m:t>
+                        <m:t>+⋯+</m:t>
                       </m:r>
                       <m:sSup>
                         <m:sSupPr>
@@ -5527,7 +5520,7 @@
             </p:txBody>
           </p:sp>
         </mc:Choice>
-        <mc:Fallback>
+        <mc:Fallback xmlns="">
           <p:sp>
             <p:nvSpPr>
               <p:cNvPr id="5" name="TextBox 4">
@@ -5602,8 +5595,8 @@
           <a:chExt cx="0" cy="0"/>
         </a:xfrm>
       </p:grpSpPr>
-      <mc:AlternateContent xmlns:mc="http://schemas.openxmlformats.org/markup-compatibility/2006">
-        <mc:Choice xmlns:a14="http://schemas.microsoft.com/office/drawing/2010/main" Requires="a14">
+      <mc:AlternateContent xmlns:mc="http://schemas.openxmlformats.org/markup-compatibility/2006" xmlns:a14="http://schemas.microsoft.com/office/drawing/2010/main">
+        <mc:Choice Requires="a14">
           <p:sp>
             <p:nvSpPr>
               <p:cNvPr id="2" name="제목 1">
@@ -5648,7 +5641,7 @@
             </p:txBody>
           </p:sp>
         </mc:Choice>
-        <mc:Fallback>
+        <mc:Fallback xmlns="">
           <p:sp>
             <p:nvSpPr>
               <p:cNvPr id="2" name="제목 1">
@@ -5688,8 +5681,8 @@
           </p:sp>
         </mc:Fallback>
       </mc:AlternateContent>
-      <mc:AlternateContent xmlns:mc="http://schemas.openxmlformats.org/markup-compatibility/2006">
-        <mc:Choice xmlns:a14="http://schemas.microsoft.com/office/drawing/2010/main" Requires="a14">
+      <mc:AlternateContent xmlns:mc="http://schemas.openxmlformats.org/markup-compatibility/2006" xmlns:a14="http://schemas.microsoft.com/office/drawing/2010/main">
+        <mc:Choice Requires="a14">
           <p:sp>
             <p:nvSpPr>
               <p:cNvPr id="3" name="내용 개체 틀 2">
@@ -5766,7 +5759,7 @@
             </p:txBody>
           </p:sp>
         </mc:Choice>
-        <mc:Fallback>
+        <mc:Fallback xmlns="">
           <p:sp>
             <p:nvSpPr>
               <p:cNvPr id="3" name="내용 개체 틀 2">
@@ -6255,7 +6248,21 @@
                 </a14:m>
                 <a:r>
                   <a:rPr lang="en-US" altLang="ko-KR" dirty="0"/>
-                  <a:t>: estimated value of action a at time step t</a:t>
+                  <a:t>: estimated value of action </a:t>
+                </a:r>
+                <a14:m>
+                  <m:oMath xmlns:m="http://schemas.openxmlformats.org/officeDocument/2006/math">
+                    <m:r>
+                      <a:rPr lang="en-US" altLang="ko-KR" i="1" dirty="0" smtClean="0">
+                        <a:latin typeface="Cambria Math" panose="02040503050406030204" pitchFamily="18" charset="0"/>
+                      </a:rPr>
+                      <m:t>𝑎</m:t>
+                    </m:r>
+                  </m:oMath>
+                </a14:m>
+                <a:r>
+                  <a:rPr lang="en-US" altLang="ko-KR" dirty="0"/>
+                  <a:t> at time step t</a:t>
                 </a:r>
                 <a:endParaRPr lang="ko-KR" altLang="en-US" dirty="0"/>
               </a:p>
@@ -6415,8 +6422,8 @@
           </a:p>
         </p:txBody>
       </p:sp>
-      <mc:AlternateContent xmlns:mc="http://schemas.openxmlformats.org/markup-compatibility/2006">
-        <mc:Choice xmlns:a14="http://schemas.microsoft.com/office/drawing/2010/main" Requires="a14">
+      <mc:AlternateContent xmlns:mc="http://schemas.openxmlformats.org/markup-compatibility/2006" xmlns:a14="http://schemas.microsoft.com/office/drawing/2010/main">
+        <mc:Choice Requires="a14">
           <p:sp>
             <p:nvSpPr>
               <p:cNvPr id="5" name="TextBox 4">
@@ -6657,7 +6664,7 @@
             </p:txBody>
           </p:sp>
         </mc:Choice>
-        <mc:Fallback>
+        <mc:Fallback xmlns="">
           <p:sp>
             <p:nvSpPr>
               <p:cNvPr id="5" name="TextBox 4">
@@ -6963,8 +6970,8 @@
           </a:p>
         </p:txBody>
       </p:sp>
-      <mc:AlternateContent xmlns:mc="http://schemas.openxmlformats.org/markup-compatibility/2006">
-        <mc:Choice xmlns:a14="http://schemas.microsoft.com/office/drawing/2010/main" Requires="a14">
+      <mc:AlternateContent xmlns:mc="http://schemas.openxmlformats.org/markup-compatibility/2006" xmlns:a14="http://schemas.microsoft.com/office/drawing/2010/main">
+        <mc:Choice Requires="a14">
           <p:sp>
             <p:nvSpPr>
               <p:cNvPr id="5" name="TextBox 4">
@@ -7616,6 +7623,7 @@
                 </a:r>
               </a:p>
               <a:p>
+                <a:pPr/>
                 <a14:m>
                   <m:oMathPara xmlns:m="http://schemas.openxmlformats.org/officeDocument/2006/math">
                     <m:oMathParaPr>
@@ -7759,7 +7767,7 @@
             </p:txBody>
           </p:sp>
         </mc:Choice>
-        <mc:Fallback>
+        <mc:Fallback xmlns="">
           <p:sp>
             <p:nvSpPr>
               <p:cNvPr id="5" name="TextBox 4">
@@ -7888,8 +7896,8 @@
           </a:p>
         </p:txBody>
       </p:sp>
-      <mc:AlternateContent xmlns:mc="http://schemas.openxmlformats.org/markup-compatibility/2006">
-        <mc:Choice xmlns:a14="http://schemas.microsoft.com/office/drawing/2010/main" Requires="a14">
+      <mc:AlternateContent xmlns:mc="http://schemas.openxmlformats.org/markup-compatibility/2006" xmlns:a14="http://schemas.microsoft.com/office/drawing/2010/main">
+        <mc:Choice Requires="a14">
           <p:sp>
             <p:nvSpPr>
               <p:cNvPr id="5" name="TextBox 4">
@@ -7938,6 +7946,7 @@
                 </a:r>
               </a:p>
               <a:p>
+                <a:pPr/>
                 <a14:m>
                   <m:oMathPara xmlns:m="http://schemas.openxmlformats.org/officeDocument/2006/math">
                     <m:oMathParaPr>
@@ -8136,7 +8145,7 @@
             </p:txBody>
           </p:sp>
         </mc:Choice>
-        <mc:Fallback>
+        <mc:Fallback xmlns="">
           <p:sp>
             <p:nvSpPr>
               <p:cNvPr id="5" name="TextBox 4">
@@ -8240,8 +8249,8 @@
           </a:p>
         </p:txBody>
       </p:sp>
-      <mc:AlternateContent xmlns:mc="http://schemas.openxmlformats.org/markup-compatibility/2006">
-        <mc:Choice xmlns:a14="http://schemas.microsoft.com/office/drawing/2010/main" Requires="a14">
+      <mc:AlternateContent xmlns:mc="http://schemas.openxmlformats.org/markup-compatibility/2006" xmlns:a14="http://schemas.microsoft.com/office/drawing/2010/main">
+        <mc:Choice Requires="a14">
           <p:sp>
             <p:nvSpPr>
               <p:cNvPr id="3" name="내용 개체 틀 2">
@@ -8507,7 +8516,7 @@
             </p:txBody>
           </p:sp>
         </mc:Choice>
-        <mc:Fallback>
+        <mc:Fallback xmlns="">
           <p:sp>
             <p:nvSpPr>
               <p:cNvPr id="3" name="내용 개체 틀 2">
